--- a/exam/exam.pptx
+++ b/exam/exam.pptx
@@ -2168,6 +2168,78 @@
               <a:t>Елена Игоревна</a:t>
             </a:r>
             <a:endParaRPr lang="ru-RU" sz="2400" dirty="0">
+              <a:solidFill>
+                <a:schemeClr val="bg1"/>
+              </a:solidFill>
+              <a:latin typeface="IBM Plex Sans" charset="0"/>
+              <a:cs typeface="Times New Roman" panose="02020603050405020304" pitchFamily="18" charset="0"/>
+            </a:endParaRPr>
+          </a:p>
+        </p:txBody>
+      </p:sp>
+      <p:sp>
+        <p:nvSpPr>
+          <p:cNvPr id="14" name="object 4">
+            <a:extLst>
+              <a:ext uri="{FF2B5EF4-FFF2-40B4-BE49-F238E27FC236}">
+                <a16:creationId xmlns:a16="http://schemas.microsoft.com/office/drawing/2014/main" xmlns="" id="{40774437-FE01-4D9A-896C-EBCBFB755936}"/>
+              </a:ext>
+            </a:extLst>
+          </p:cNvPr>
+          <p:cNvSpPr txBox="1"/>
+          <p:nvPr/>
+        </p:nvSpPr>
+        <p:spPr>
+          <a:xfrm>
+            <a:off x="0" y="10379075"/>
+            <a:ext cx="20104100" cy="623781"/>
+          </a:xfrm>
+          <a:prstGeom prst="rect">
+            <a:avLst/>
+          </a:prstGeom>
+        </p:spPr>
+        <p:txBody>
+          <a:bodyPr vert="horz" wrap="square" lIns="0" tIns="19895" rIns="0" bIns="0" rtlCol="0">
+            <a:spAutoFit/>
+          </a:bodyPr>
+          <a:lstStyle/>
+          <a:p>
+            <a:pPr marL="20942" marR="8377" algn="ctr">
+              <a:lnSpc>
+                <a:spcPct val="120000"/>
+              </a:lnSpc>
+            </a:pPr>
+            <a:r>
+              <a:rPr lang="ru-RU" sz="3600" dirty="0" err="1" smtClean="0">
+                <a:solidFill>
+                  <a:srgbClr val="FFFFFF"/>
+                </a:solidFill>
+                <a:latin typeface="IBM Plex Sans" charset="0"/>
+                <a:cs typeface="Times New Roman" panose="02020603050405020304" pitchFamily="18" charset="0"/>
+              </a:rPr>
+              <a:t>Иннополис</a:t>
+            </a:r>
+            <a:r>
+              <a:rPr lang="ru-RU" sz="3600" dirty="0" smtClean="0">
+                <a:solidFill>
+                  <a:srgbClr val="FFFFFF"/>
+                </a:solidFill>
+                <a:latin typeface="IBM Plex Sans" charset="0"/>
+                <a:cs typeface="Times New Roman" panose="02020603050405020304" pitchFamily="18" charset="0"/>
+              </a:rPr>
+              <a:t> </a:t>
+            </a:r>
+            <a:r>
+              <a:rPr lang="en-US" sz="3600" dirty="0" smtClean="0">
+                <a:solidFill>
+                  <a:srgbClr val="FFFFFF"/>
+                </a:solidFill>
+                <a:latin typeface="IBM Plex Sans" charset="0"/>
+                <a:cs typeface="Times New Roman" panose="02020603050405020304" pitchFamily="18" charset="0"/>
+              </a:rPr>
+              <a:t>2023</a:t>
+            </a:r>
+            <a:endParaRPr lang="ru-RU" sz="3600" dirty="0">
               <a:solidFill>
                 <a:schemeClr val="bg1"/>
               </a:solidFill>

--- a/exam/exam.pptx
+++ b/exam/exam.pptx
@@ -2051,7 +2051,13 @@
               <a:rPr lang="ru-RU" sz="4000" b="1" dirty="0" smtClean="0">
                 <a:latin typeface="IBM Plex Sans" charset="0"/>
               </a:rPr>
-              <a:t>АТТЕСТАЦИОННАЯ РАБОТА</a:t>
+              <a:t>ИТОГОВАЯ </a:t>
+            </a:r>
+            <a:r>
+              <a:rPr lang="ru-RU" sz="4000" b="1" dirty="0" smtClean="0">
+                <a:latin typeface="IBM Plex Sans" charset="0"/>
+              </a:rPr>
+              <a:t>АТТЕСТАЦИЯ</a:t>
             </a:r>
             <a:endParaRPr lang="ru-RU" sz="4000" dirty="0">
               <a:solidFill>
